--- a/Entwurf/Entwurf Go-App.pptx
+++ b/Entwurf/Entwurf Go-App.pptx
@@ -24,11 +24,10 @@
     <p:sldId id="270" r:id="rId18"/>
     <p:sldId id="279" r:id="rId19"/>
     <p:sldId id="271" r:id="rId20"/>
-    <p:sldId id="272" r:id="rId21"/>
-    <p:sldId id="273" r:id="rId22"/>
-    <p:sldId id="274" r:id="rId23"/>
-    <p:sldId id="275" r:id="rId24"/>
-    <p:sldId id="276" r:id="rId25"/>
+    <p:sldId id="273" r:id="rId21"/>
+    <p:sldId id="274" r:id="rId22"/>
+    <p:sldId id="275" r:id="rId23"/>
+    <p:sldId id="276" r:id="rId24"/>
   </p:sldIdLst>
   <p:sldSz cx="12192000" cy="6858000"/>
   <p:notesSz cx="6858000" cy="9144000"/>
@@ -127,6 +126,11 @@
       </a:defRPr>
     </a:lvl9pPr>
   </p:defaultTextStyle>
+  <p:extLst>
+    <p:ext uri="{EFAFB233-063F-42B5-8137-9DF3F51BA10A}">
+      <p15:sldGuideLst xmlns:p15="http://schemas.microsoft.com/office/powerpoint/2012/main"/>
+    </p:ext>
+  </p:extLst>
 </p:presentation>
 </file>
 
@@ -4137,76 +4141,137 @@
           <a:chExt cx="0" cy="0"/>
         </a:xfrm>
       </p:grpSpPr>
-      <p:pic>
-        <p:nvPicPr>
-          <p:cNvPr id="4" name="Inhaltsplatzhalter 3"/>
-          <p:cNvPicPr>
-            <a:picLocks noGrp="1" noChangeAspect="1"/>
-          </p:cNvPicPr>
+      <p:sp>
+        <p:nvSpPr>
+          <p:cNvPr id="2" name="Titel 1"/>
+          <p:cNvSpPr>
+            <a:spLocks noGrp="1"/>
+          </p:cNvSpPr>
+          <p:nvPr>
+            <p:ph type="title"/>
+          </p:nvPr>
+        </p:nvSpPr>
+        <p:spPr/>
+        <p:txBody>
+          <a:bodyPr/>
+          <a:lstStyle/>
+          <a:p>
+            <a:r>
+              <a:rPr lang="de-DE" b="1" dirty="0" smtClean="0">
+                <a:effectLst/>
+              </a:rPr>
+              <a:t>Authentifizierung mithilfe der </a:t>
+            </a:r>
+            <a:r>
+              <a:rPr lang="de-DE" b="1" dirty="0" err="1" smtClean="0">
+                <a:effectLst/>
+              </a:rPr>
+              <a:t>GoogleAPI</a:t>
+            </a:r>
+            <a:r>
+              <a:rPr lang="de-DE" b="1" dirty="0" smtClean="0">
+                <a:effectLst/>
+              </a:rPr>
+              <a:t> </a:t>
+            </a:r>
+            <a:endParaRPr lang="de-DE" dirty="0"/>
+          </a:p>
+        </p:txBody>
+      </p:sp>
+      <p:sp>
+        <p:nvSpPr>
+          <p:cNvPr id="3" name="Inhaltsplatzhalter 2"/>
+          <p:cNvSpPr>
+            <a:spLocks noGrp="1"/>
+          </p:cNvSpPr>
           <p:nvPr>
             <p:ph idx="1"/>
           </p:nvPr>
-        </p:nvPicPr>
-        <p:blipFill>
-          <a:blip r:embed="rId2" cstate="print">
-            <a:extLst>
-              <a:ext uri="{28A0092B-C50C-407E-A947-70E740481C1C}">
-                <a14:useLocalDpi xmlns:a14="http://schemas.microsoft.com/office/drawing/2010/main" val="0"/>
-              </a:ext>
-            </a:extLst>
-          </a:blip>
-          <a:stretch>
-            <a:fillRect/>
-          </a:stretch>
-        </p:blipFill>
-        <p:spPr>
-          <a:xfrm>
-            <a:off x="2098300" y="365125"/>
-            <a:ext cx="9952241" cy="7485063"/>
-          </a:xfrm>
-        </p:spPr>
-      </p:pic>
-      <p:sp>
-        <p:nvSpPr>
-          <p:cNvPr id="2" name="Titel 1"/>
-          <p:cNvSpPr>
-            <a:spLocks noGrp="1"/>
-          </p:cNvSpPr>
-          <p:nvPr>
-            <p:ph type="title"/>
-          </p:nvPr>
-        </p:nvSpPr>
-        <p:spPr>
-          <a:xfrm>
-            <a:off x="152400" y="1647825"/>
-            <a:ext cx="10515600" cy="1325563"/>
-          </a:xfrm>
-        </p:spPr>
-        <p:txBody>
-          <a:bodyPr>
-            <a:normAutofit/>
-          </a:bodyPr>
-          <a:lstStyle/>
-          <a:p>
-            <a:r>
-              <a:rPr lang="de-DE" sz="3200" dirty="0" smtClean="0"/>
-              <a:t>Auftreten </a:t>
-            </a:r>
-            <a:br>
-              <a:rPr lang="de-DE" sz="3200" dirty="0" smtClean="0"/>
-            </a:br>
-            <a:r>
-              <a:rPr lang="de-DE" sz="3200" dirty="0" smtClean="0"/>
-              <a:t>eines Fehlers</a:t>
-            </a:r>
-            <a:endParaRPr lang="de-DE" sz="3200" dirty="0"/>
+        </p:nvSpPr>
+        <p:spPr/>
+        <p:txBody>
+          <a:bodyPr/>
+          <a:lstStyle/>
+          <a:p>
+            <a:r>
+              <a:rPr lang="de-DE" dirty="0" smtClean="0">
+                <a:effectLst/>
+              </a:rPr>
+              <a:t>Oauth2 (</a:t>
+            </a:r>
+            <a:r>
+              <a:rPr lang="de-DE" dirty="0" err="1" smtClean="0">
+                <a:effectLst/>
+              </a:rPr>
+              <a:t>GoogleAPI</a:t>
+            </a:r>
+            <a:r>
+              <a:rPr lang="de-DE" dirty="0" smtClean="0">
+                <a:effectLst/>
+              </a:rPr>
+              <a:t>) </a:t>
+            </a:r>
+          </a:p>
+          <a:p>
+            <a:r>
+              <a:rPr lang="de-DE" dirty="0" smtClean="0"/>
+              <a:t>Token des </a:t>
+            </a:r>
+            <a:r>
+              <a:rPr lang="de-DE" dirty="0" err="1" smtClean="0"/>
+              <a:t>Googleservers</a:t>
+            </a:r>
+            <a:r>
+              <a:rPr lang="de-DE" dirty="0" smtClean="0"/>
+              <a:t> vom Client an den Server</a:t>
+            </a:r>
+          </a:p>
+          <a:p>
+            <a:r>
+              <a:rPr lang="de-DE" dirty="0" smtClean="0"/>
+              <a:t>Server sendet Token an </a:t>
+            </a:r>
+            <a:r>
+              <a:rPr lang="de-DE" dirty="0" err="1" smtClean="0"/>
+              <a:t>Googleserver</a:t>
+            </a:r>
+            <a:endParaRPr lang="de-DE" dirty="0" smtClean="0"/>
+          </a:p>
+          <a:p>
+            <a:r>
+              <a:rPr lang="de-DE" dirty="0" smtClean="0">
+                <a:effectLst/>
+              </a:rPr>
+              <a:t>Server erhält Google-Client-ID </a:t>
+            </a:r>
+          </a:p>
+          <a:p>
+            <a:r>
+              <a:rPr lang="de-DE" dirty="0" err="1" smtClean="0">
+                <a:effectLst/>
+              </a:rPr>
+              <a:t>LoginFilterServlet</a:t>
+            </a:r>
+            <a:r>
+              <a:rPr lang="de-DE" dirty="0" smtClean="0"/>
+              <a:t>: </a:t>
+            </a:r>
+            <a:r>
+              <a:rPr lang="de-DE" dirty="0" err="1" smtClean="0"/>
+              <a:t>doFilter</a:t>
+            </a:r>
+            <a:r>
+              <a:rPr lang="de-DE" dirty="0" smtClean="0"/>
+              <a:t>()</a:t>
+            </a:r>
+            <a:endParaRPr lang="de-DE" dirty="0"/>
           </a:p>
         </p:txBody>
       </p:sp>
     </p:spTree>
     <p:extLst>
       <p:ext uri="{BB962C8B-B14F-4D97-AF65-F5344CB8AC3E}">
-        <p14:creationId xmlns:p14="http://schemas.microsoft.com/office/powerpoint/2010/main" val="1012995955"/>
+        <p14:creationId xmlns:p14="http://schemas.microsoft.com/office/powerpoint/2010/main" val="2039893240"/>
       </p:ext>
     </p:extLst>
   </p:cSld>
@@ -4240,6 +4305,35 @@
           <a:chExt cx="0" cy="0"/>
         </a:xfrm>
       </p:grpSpPr>
+      <p:pic>
+        <p:nvPicPr>
+          <p:cNvPr id="4" name="Inhaltsplatzhalter 3"/>
+          <p:cNvPicPr>
+            <a:picLocks noGrp="1" noChangeAspect="1"/>
+          </p:cNvPicPr>
+          <p:nvPr>
+            <p:ph idx="1"/>
+          </p:nvPr>
+        </p:nvPicPr>
+        <p:blipFill>
+          <a:blip r:embed="rId2">
+            <a:extLst>
+              <a:ext uri="{28A0092B-C50C-407E-A947-70E740481C1C}">
+                <a14:useLocalDpi xmlns:a14="http://schemas.microsoft.com/office/drawing/2010/main" val="0"/>
+              </a:ext>
+            </a:extLst>
+          </a:blip>
+          <a:stretch>
+            <a:fillRect/>
+          </a:stretch>
+        </p:blipFill>
+        <p:spPr>
+          <a:xfrm>
+            <a:off x="227809" y="604435"/>
+            <a:ext cx="11964191" cy="5772553"/>
+          </a:xfrm>
+        </p:spPr>
+      </p:pic>
       <p:sp>
         <p:nvSpPr>
           <p:cNvPr id="2" name="Titel 1"/>
@@ -4250,127 +4344,30 @@
             <p:ph type="title"/>
           </p:nvPr>
         </p:nvSpPr>
-        <p:spPr/>
-        <p:txBody>
-          <a:bodyPr/>
-          <a:lstStyle/>
-          <a:p>
-            <a:r>
-              <a:rPr lang="de-DE" b="1" dirty="0" smtClean="0">
-                <a:effectLst/>
-              </a:rPr>
-              <a:t>Authentifizierung mithilfe der </a:t>
-            </a:r>
-            <a:r>
-              <a:rPr lang="de-DE" b="1" dirty="0" err="1" smtClean="0">
-                <a:effectLst/>
-              </a:rPr>
-              <a:t>GoogleAPI</a:t>
-            </a:r>
-            <a:r>
-              <a:rPr lang="de-DE" b="1" dirty="0" smtClean="0">
-                <a:effectLst/>
-              </a:rPr>
-              <a:t> </a:t>
-            </a:r>
-            <a:endParaRPr lang="de-DE" dirty="0"/>
-          </a:p>
-        </p:txBody>
-      </p:sp>
-      <p:sp>
-        <p:nvSpPr>
-          <p:cNvPr id="3" name="Inhaltsplatzhalter 2"/>
-          <p:cNvSpPr>
-            <a:spLocks noGrp="1"/>
-          </p:cNvSpPr>
-          <p:nvPr>
-            <p:ph idx="1"/>
-          </p:nvPr>
-        </p:nvSpPr>
-        <p:spPr/>
-        <p:txBody>
-          <a:bodyPr/>
-          <a:lstStyle/>
-          <a:p>
-            <a:r>
-              <a:rPr lang="de-DE" dirty="0" smtClean="0">
-                <a:effectLst/>
-              </a:rPr>
-              <a:t>Oauth2 (</a:t>
-            </a:r>
-            <a:r>
-              <a:rPr lang="de-DE" dirty="0" err="1" smtClean="0">
-                <a:effectLst/>
-              </a:rPr>
-              <a:t>GoogleAPI</a:t>
-            </a:r>
-            <a:r>
-              <a:rPr lang="de-DE" dirty="0" smtClean="0">
-                <a:effectLst/>
-              </a:rPr>
-              <a:t>) </a:t>
-            </a:r>
-          </a:p>
-          <a:p>
-            <a:r>
-              <a:rPr lang="de-DE" dirty="0" smtClean="0"/>
-              <a:t>Token des </a:t>
-            </a:r>
-            <a:r>
-              <a:rPr lang="de-DE" dirty="0" err="1" smtClean="0"/>
-              <a:t>Googleservers</a:t>
-            </a:r>
-            <a:r>
-              <a:rPr lang="de-DE" dirty="0" smtClean="0"/>
-              <a:t> vom Client an den Server</a:t>
-            </a:r>
-          </a:p>
-          <a:p>
-            <a:r>
-              <a:rPr lang="de-DE" dirty="0" smtClean="0"/>
-              <a:t>Server sendet Token an </a:t>
-            </a:r>
-            <a:r>
-              <a:rPr lang="de-DE" dirty="0" err="1" smtClean="0"/>
-              <a:t>Googleserver</a:t>
-            </a:r>
-            <a:endParaRPr lang="de-DE" dirty="0" smtClean="0"/>
-          </a:p>
-          <a:p>
-            <a:r>
-              <a:rPr lang="de-DE" dirty="0" smtClean="0">
-                <a:effectLst/>
-              </a:rPr>
-              <a:t>Server erhält Google-Client-ID </a:t>
-            </a:r>
-          </a:p>
-          <a:p>
-            <a:r>
-              <a:rPr lang="de-DE" dirty="0" err="1" smtClean="0">
-                <a:effectLst/>
-              </a:rPr>
-              <a:t>LoginFilterServlet</a:t>
-            </a:r>
-            <a:r>
-              <a:rPr lang="de-DE" dirty="0" smtClean="0"/>
-              <a:t>: </a:t>
-            </a:r>
-            <a:r>
-              <a:rPr lang="de-DE" dirty="0" err="1" smtClean="0"/>
-              <a:t>doFilter</a:t>
-            </a:r>
-            <a:r>
-              <a:rPr lang="de-DE" dirty="0" smtClean="0"/>
-              <a:t>()</a:t>
-            </a:r>
-            <a:endParaRPr lang="de-DE" dirty="0"/>
+        <p:spPr>
+          <a:xfrm>
+            <a:off x="0" y="1876425"/>
+            <a:ext cx="10515600" cy="1325563"/>
+          </a:xfrm>
+        </p:spPr>
+        <p:txBody>
+          <a:bodyPr>
+            <a:normAutofit/>
+          </a:bodyPr>
+          <a:lstStyle/>
+          <a:p>
+            <a:r>
+              <a:rPr lang="de-DE" sz="2800" dirty="0" smtClean="0"/>
+              <a:t>Registrierung</a:t>
+            </a:r>
+            <a:endParaRPr lang="de-DE" sz="2800" dirty="0"/>
           </a:p>
         </p:txBody>
       </p:sp>
     </p:spTree>
     <p:extLst>
       <p:ext uri="{BB962C8B-B14F-4D97-AF65-F5344CB8AC3E}">
-        <p14:creationId xmlns:p14="http://schemas.microsoft.com/office/powerpoint/2010/main" val="2039893240"/>
+        <p14:creationId xmlns:p14="http://schemas.microsoft.com/office/powerpoint/2010/main" val="811807046"/>
       </p:ext>
     </p:extLst>
   </p:cSld>
@@ -4428,8 +4425,8 @@
         </p:blipFill>
         <p:spPr>
           <a:xfrm>
-            <a:off x="227809" y="604435"/>
-            <a:ext cx="11964191" cy="5772553"/>
+            <a:off x="596900" y="596900"/>
+            <a:ext cx="11595100" cy="5707063"/>
           </a:xfrm>
         </p:spPr>
       </p:pic>
@@ -4445,28 +4442,26 @@
         </p:nvSpPr>
         <p:spPr>
           <a:xfrm>
-            <a:off x="0" y="1876425"/>
+            <a:off x="406400" y="1939925"/>
             <a:ext cx="10515600" cy="1325563"/>
           </a:xfrm>
         </p:spPr>
         <p:txBody>
-          <a:bodyPr>
-            <a:normAutofit/>
-          </a:bodyPr>
-          <a:lstStyle/>
-          <a:p>
-            <a:r>
-              <a:rPr lang="de-DE" sz="2800" dirty="0" smtClean="0"/>
-              <a:t>Registrierung</a:t>
-            </a:r>
-            <a:endParaRPr lang="de-DE" sz="2800" dirty="0"/>
+          <a:bodyPr/>
+          <a:lstStyle/>
+          <a:p>
+            <a:r>
+              <a:rPr lang="de-DE" dirty="0" smtClean="0"/>
+              <a:t>Login</a:t>
+            </a:r>
+            <a:endParaRPr lang="de-DE" dirty="0"/>
           </a:p>
         </p:txBody>
       </p:sp>
     </p:spTree>
     <p:extLst>
       <p:ext uri="{BB962C8B-B14F-4D97-AF65-F5344CB8AC3E}">
-        <p14:creationId xmlns:p14="http://schemas.microsoft.com/office/powerpoint/2010/main" val="811807046"/>
+        <p14:creationId xmlns:p14="http://schemas.microsoft.com/office/powerpoint/2010/main" val="41714678"/>
       </p:ext>
     </p:extLst>
   </p:cSld>
@@ -4511,100 +4506,6 @@
           </p:nvPr>
         </p:nvPicPr>
         <p:blipFill>
-          <a:blip r:embed="rId2">
-            <a:extLst>
-              <a:ext uri="{28A0092B-C50C-407E-A947-70E740481C1C}">
-                <a14:useLocalDpi xmlns:a14="http://schemas.microsoft.com/office/drawing/2010/main" val="0"/>
-              </a:ext>
-            </a:extLst>
-          </a:blip>
-          <a:stretch>
-            <a:fillRect/>
-          </a:stretch>
-        </p:blipFill>
-        <p:spPr>
-          <a:xfrm>
-            <a:off x="596900" y="596900"/>
-            <a:ext cx="11595100" cy="5707063"/>
-          </a:xfrm>
-        </p:spPr>
-      </p:pic>
-      <p:sp>
-        <p:nvSpPr>
-          <p:cNvPr id="2" name="Titel 1"/>
-          <p:cNvSpPr>
-            <a:spLocks noGrp="1"/>
-          </p:cNvSpPr>
-          <p:nvPr>
-            <p:ph type="title"/>
-          </p:nvPr>
-        </p:nvSpPr>
-        <p:spPr>
-          <a:xfrm>
-            <a:off x="406400" y="1939925"/>
-            <a:ext cx="10515600" cy="1325563"/>
-          </a:xfrm>
-        </p:spPr>
-        <p:txBody>
-          <a:bodyPr/>
-          <a:lstStyle/>
-          <a:p>
-            <a:r>
-              <a:rPr lang="de-DE" dirty="0" smtClean="0"/>
-              <a:t>Login</a:t>
-            </a:r>
-            <a:endParaRPr lang="de-DE" dirty="0"/>
-          </a:p>
-        </p:txBody>
-      </p:sp>
-    </p:spTree>
-    <p:extLst>
-      <p:ext uri="{BB962C8B-B14F-4D97-AF65-F5344CB8AC3E}">
-        <p14:creationId xmlns:p14="http://schemas.microsoft.com/office/powerpoint/2010/main" val="41714678"/>
-      </p:ext>
-    </p:extLst>
-  </p:cSld>
-  <p:clrMapOvr>
-    <a:masterClrMapping/>
-  </p:clrMapOvr>
-  <p:timing>
-    <p:tnLst>
-      <p:par>
-        <p:cTn id="1" dur="indefinite" restart="never" nodeType="tmRoot"/>
-      </p:par>
-    </p:tnLst>
-  </p:timing>
-</p:sld>
-</file>
-
-<file path=ppt/slides/slide24.xml><?xml version="1.0" encoding="utf-8"?>
-<p:sld xmlns:a="http://schemas.openxmlformats.org/drawingml/2006/main" xmlns:r="http://schemas.openxmlformats.org/officeDocument/2006/relationships" xmlns:p="http://schemas.openxmlformats.org/presentationml/2006/main">
-  <p:cSld>
-    <p:spTree>
-      <p:nvGrpSpPr>
-        <p:cNvPr id="1" name=""/>
-        <p:cNvGrpSpPr/>
-        <p:nvPr/>
-      </p:nvGrpSpPr>
-      <p:grpSpPr>
-        <a:xfrm>
-          <a:off x="0" y="0"/>
-          <a:ext cx="0" cy="0"/>
-          <a:chOff x="0" y="0"/>
-          <a:chExt cx="0" cy="0"/>
-        </a:xfrm>
-      </p:grpSpPr>
-      <p:pic>
-        <p:nvPicPr>
-          <p:cNvPr id="4" name="Inhaltsplatzhalter 3"/>
-          <p:cNvPicPr>
-            <a:picLocks noGrp="1" noChangeAspect="1"/>
-          </p:cNvPicPr>
-          <p:nvPr>
-            <p:ph idx="1"/>
-          </p:nvPr>
-        </p:nvPicPr>
-        <p:blipFill>
           <a:blip r:embed="rId2" cstate="print">
             <a:extLst>
               <a:ext uri="{28A0092B-C50C-407E-A947-70E740481C1C}">
@@ -4776,8 +4677,8 @@
         </p:blipFill>
         <p:spPr>
           <a:xfrm>
-            <a:off x="3581400" y="0"/>
-            <a:ext cx="4229100" cy="6858000"/>
+            <a:off x="3765177" y="0"/>
+            <a:ext cx="6078070" cy="6858000"/>
           </a:xfrm>
         </p:spPr>
       </p:pic>
